--- a/ml-ops-poc/architecture.pptx
+++ b/ml-ops-poc/architecture.pptx
@@ -6,6 +6,7 @@
   </p:sldMasterIdLst>
   <p:sldIdLst>
     <p:sldId id="256" r:id="rId2"/>
+    <p:sldId id="257" r:id="rId3"/>
   </p:sldIdLst>
   <p:sldSz cx="12192000" cy="6858000"/>
   <p:notesSz cx="6858000" cy="9144000"/>
@@ -104,6 +105,11 @@
       </a:defRPr>
     </a:lvl9pPr>
   </p:defaultTextStyle>
+  <p:extLst>
+    <p:ext uri="{EFAFB233-063F-42B5-8137-9DF3F51BA10A}">
+      <p15:sldGuideLst xmlns:p15="http://schemas.microsoft.com/office/powerpoint/2012/main"/>
+    </p:ext>
+  </p:extLst>
 </p:presentation>
 </file>
 
@@ -259,7 +265,7 @@
           <a:p>
             <a:fld id="{9E68C7A3-5F75-3747-8983-FCBB401463F5}" type="datetimeFigureOut">
               <a:rPr lang="en-US" smtClean="0"/>
-              <a:t>1/6/20</a:t>
+              <a:t>2/5/20</a:t>
             </a:fld>
             <a:endParaRPr lang="en-US"/>
           </a:p>
@@ -457,7 +463,7 @@
           <a:p>
             <a:fld id="{9E68C7A3-5F75-3747-8983-FCBB401463F5}" type="datetimeFigureOut">
               <a:rPr lang="en-US" smtClean="0"/>
-              <a:t>1/6/20</a:t>
+              <a:t>2/5/20</a:t>
             </a:fld>
             <a:endParaRPr lang="en-US"/>
           </a:p>
@@ -665,7 +671,7 @@
           <a:p>
             <a:fld id="{9E68C7A3-5F75-3747-8983-FCBB401463F5}" type="datetimeFigureOut">
               <a:rPr lang="en-US" smtClean="0"/>
-              <a:t>1/6/20</a:t>
+              <a:t>2/5/20</a:t>
             </a:fld>
             <a:endParaRPr lang="en-US"/>
           </a:p>
@@ -863,7 +869,7 @@
           <a:p>
             <a:fld id="{9E68C7A3-5F75-3747-8983-FCBB401463F5}" type="datetimeFigureOut">
               <a:rPr lang="en-US" smtClean="0"/>
-              <a:t>1/6/20</a:t>
+              <a:t>2/5/20</a:t>
             </a:fld>
             <a:endParaRPr lang="en-US"/>
           </a:p>
@@ -1138,7 +1144,7 @@
           <a:p>
             <a:fld id="{9E68C7A3-5F75-3747-8983-FCBB401463F5}" type="datetimeFigureOut">
               <a:rPr lang="en-US" smtClean="0"/>
-              <a:t>1/6/20</a:t>
+              <a:t>2/5/20</a:t>
             </a:fld>
             <a:endParaRPr lang="en-US"/>
           </a:p>
@@ -1403,7 +1409,7 @@
           <a:p>
             <a:fld id="{9E68C7A3-5F75-3747-8983-FCBB401463F5}" type="datetimeFigureOut">
               <a:rPr lang="en-US" smtClean="0"/>
-              <a:t>1/6/20</a:t>
+              <a:t>2/5/20</a:t>
             </a:fld>
             <a:endParaRPr lang="en-US"/>
           </a:p>
@@ -1815,7 +1821,7 @@
           <a:p>
             <a:fld id="{9E68C7A3-5F75-3747-8983-FCBB401463F5}" type="datetimeFigureOut">
               <a:rPr lang="en-US" smtClean="0"/>
-              <a:t>1/6/20</a:t>
+              <a:t>2/5/20</a:t>
             </a:fld>
             <a:endParaRPr lang="en-US"/>
           </a:p>
@@ -1956,7 +1962,7 @@
           <a:p>
             <a:fld id="{9E68C7A3-5F75-3747-8983-FCBB401463F5}" type="datetimeFigureOut">
               <a:rPr lang="en-US" smtClean="0"/>
-              <a:t>1/6/20</a:t>
+              <a:t>2/5/20</a:t>
             </a:fld>
             <a:endParaRPr lang="en-US"/>
           </a:p>
@@ -2074,7 +2080,7 @@
           <a:p>
             <a:fld id="{9E68C7A3-5F75-3747-8983-FCBB401463F5}" type="datetimeFigureOut">
               <a:rPr lang="en-US" smtClean="0"/>
-              <a:t>1/6/20</a:t>
+              <a:t>2/5/20</a:t>
             </a:fld>
             <a:endParaRPr lang="en-US"/>
           </a:p>
@@ -2385,7 +2391,7 @@
           <a:p>
             <a:fld id="{9E68C7A3-5F75-3747-8983-FCBB401463F5}" type="datetimeFigureOut">
               <a:rPr lang="en-US" smtClean="0"/>
-              <a:t>1/6/20</a:t>
+              <a:t>2/5/20</a:t>
             </a:fld>
             <a:endParaRPr lang="en-US"/>
           </a:p>
@@ -2673,7 +2679,7 @@
           <a:p>
             <a:fld id="{9E68C7A3-5F75-3747-8983-FCBB401463F5}" type="datetimeFigureOut">
               <a:rPr lang="en-US" smtClean="0"/>
-              <a:t>1/6/20</a:t>
+              <a:t>2/5/20</a:t>
             </a:fld>
             <a:endParaRPr lang="en-US"/>
           </a:p>
@@ -2914,7 +2920,7 @@
           <a:p>
             <a:fld id="{9E68C7A3-5F75-3747-8983-FCBB401463F5}" type="datetimeFigureOut">
               <a:rPr lang="en-US" smtClean="0"/>
-              <a:t>1/6/20</a:t>
+              <a:t>2/5/20</a:t>
             </a:fld>
             <a:endParaRPr lang="en-US"/>
           </a:p>
@@ -3399,8 +3405,8 @@
         </p:nvCxnSpPr>
         <p:spPr>
           <a:xfrm rot="5400000" flipH="1" flipV="1">
-            <a:off x="4044669" y="2397755"/>
-            <a:ext cx="1446930" cy="1941343"/>
+            <a:off x="4511370" y="1941118"/>
+            <a:ext cx="1436866" cy="2864680"/>
           </a:xfrm>
           <a:prstGeom prst="bentConnector3">
             <a:avLst>
@@ -4386,8 +4392,8 @@
         </p:nvCxnSpPr>
         <p:spPr>
           <a:xfrm>
-            <a:off x="5907985" y="2169396"/>
-            <a:ext cx="1282261" cy="1917726"/>
+            <a:off x="6814543" y="2190894"/>
+            <a:ext cx="375702" cy="1896228"/>
           </a:xfrm>
           <a:prstGeom prst="bentConnector2">
             <a:avLst/>
@@ -4545,7 +4551,7 @@
         <p:spPr>
           <a:xfrm>
             <a:off x="1942735" y="1012310"/>
-            <a:ext cx="4557073" cy="1710033"/>
+            <a:ext cx="5134721" cy="1710033"/>
           </a:xfrm>
           <a:prstGeom prst="rect">
             <a:avLst/>
@@ -4598,7 +4604,7 @@
         </p:nvSpPr>
         <p:spPr>
           <a:xfrm>
-            <a:off x="5385384" y="2321796"/>
+            <a:off x="6308721" y="2331860"/>
             <a:ext cx="706843" cy="323165"/>
           </a:xfrm>
           <a:prstGeom prst="rect">
@@ -4655,7 +4661,7 @@
         </p:blipFill>
         <p:spPr>
           <a:xfrm>
-            <a:off x="5603184" y="2016996"/>
+            <a:off x="6509743" y="2038494"/>
             <a:ext cx="304800" cy="304800"/>
           </a:xfrm>
           <a:prstGeom prst="rect">
@@ -5661,10 +5667,1781 @@
           </a:prstGeom>
         </p:spPr>
       </p:pic>
+      <p:sp>
+        <p:nvSpPr>
+          <p:cNvPr id="61" name="TextBox 60">
+            <a:extLst>
+              <a:ext uri="{FF2B5EF4-FFF2-40B4-BE49-F238E27FC236}">
+                <a16:creationId xmlns:a16="http://schemas.microsoft.com/office/drawing/2014/main" id="{6D1212C5-6766-C544-831A-5A80092D3080}"/>
+              </a:ext>
+            </a:extLst>
+          </p:cNvPr>
+          <p:cNvSpPr txBox="1"/>
+          <p:nvPr/>
+        </p:nvSpPr>
+        <p:spPr>
+          <a:xfrm>
+            <a:off x="5341696" y="2348733"/>
+            <a:ext cx="1070568" cy="323165"/>
+          </a:xfrm>
+          <a:prstGeom prst="rect">
+            <a:avLst/>
+          </a:prstGeom>
+          <a:noFill/>
+        </p:spPr>
+        <p:txBody>
+          <a:bodyPr wrap="square" rtlCol="0">
+            <a:spAutoFit/>
+          </a:bodyPr>
+          <a:lstStyle/>
+          <a:p>
+            <a:pPr algn="ctr"/>
+            <a:r>
+              <a:rPr lang="en-US" sz="750" dirty="0"/>
+              <a:t>AWS </a:t>
+            </a:r>
+            <a:r>
+              <a:rPr lang="en-US" sz="750" dirty="0" err="1"/>
+              <a:t>CodeBuild</a:t>
+            </a:r>
+            <a:endParaRPr lang="en-US" sz="750" dirty="0"/>
+          </a:p>
+          <a:p>
+            <a:pPr algn="ctr"/>
+            <a:r>
+              <a:rPr lang="en-US" sz="750" dirty="0" err="1"/>
+              <a:t>Deploy_PRD_EndPoint</a:t>
+            </a:r>
+            <a:endParaRPr lang="en-US" sz="750" dirty="0"/>
+          </a:p>
+        </p:txBody>
+      </p:sp>
+      <p:pic>
+        <p:nvPicPr>
+          <p:cNvPr id="62" name="Graphic 61">
+            <a:extLst>
+              <a:ext uri="{FF2B5EF4-FFF2-40B4-BE49-F238E27FC236}">
+                <a16:creationId xmlns:a16="http://schemas.microsoft.com/office/drawing/2014/main" id="{2CBC52D0-A1EE-ED49-AF3F-4DF1062E505A}"/>
+              </a:ext>
+            </a:extLst>
+          </p:cNvPr>
+          <p:cNvPicPr>
+            <a:picLocks noChangeAspect="1"/>
+          </p:cNvPicPr>
+          <p:nvPr/>
+        </p:nvPicPr>
+        <p:blipFill>
+          <a:blip r:embed="rId15">
+            <a:extLst>
+              <a:ext uri="{96DAC541-7B7A-43D3-8B79-37D633B846F1}">
+                <asvg:svgBlip xmlns:asvg="http://schemas.microsoft.com/office/drawing/2016/SVG/main" r:embed="rId16"/>
+              </a:ext>
+            </a:extLst>
+          </a:blip>
+          <a:stretch>
+            <a:fillRect/>
+          </a:stretch>
+        </p:blipFill>
+        <p:spPr>
+          <a:xfrm>
+            <a:off x="5716185" y="2063898"/>
+            <a:ext cx="304800" cy="304800"/>
+          </a:xfrm>
+          <a:prstGeom prst="rect">
+            <a:avLst/>
+          </a:prstGeom>
+        </p:spPr>
+      </p:pic>
+      <p:sp>
+        <p:nvSpPr>
+          <p:cNvPr id="63" name="TextBox 62">
+            <a:extLst>
+              <a:ext uri="{FF2B5EF4-FFF2-40B4-BE49-F238E27FC236}">
+                <a16:creationId xmlns:a16="http://schemas.microsoft.com/office/drawing/2014/main" id="{89AF89BF-45D8-9249-822E-B9FD505274D5}"/>
+              </a:ext>
+            </a:extLst>
+          </p:cNvPr>
+          <p:cNvSpPr txBox="1"/>
+          <p:nvPr/>
+        </p:nvSpPr>
+        <p:spPr>
+          <a:xfrm>
+            <a:off x="5532663" y="1644484"/>
+            <a:ext cx="1070568" cy="323165"/>
+          </a:xfrm>
+          <a:prstGeom prst="rect">
+            <a:avLst/>
+          </a:prstGeom>
+          <a:noFill/>
+        </p:spPr>
+        <p:txBody>
+          <a:bodyPr wrap="square" rtlCol="0">
+            <a:spAutoFit/>
+          </a:bodyPr>
+          <a:lstStyle/>
+          <a:p>
+            <a:pPr algn="ctr"/>
+            <a:r>
+              <a:rPr lang="en-US" sz="750" dirty="0"/>
+              <a:t>AWS </a:t>
+            </a:r>
+            <a:r>
+              <a:rPr lang="en-US" sz="750" dirty="0" err="1"/>
+              <a:t>CodeBuild</a:t>
+            </a:r>
+            <a:endParaRPr lang="en-US" sz="750" dirty="0"/>
+          </a:p>
+          <a:p>
+            <a:pPr algn="ctr"/>
+            <a:r>
+              <a:rPr lang="en-US" sz="750" dirty="0" err="1"/>
+              <a:t>Version_Set</a:t>
+            </a:r>
+            <a:endParaRPr lang="en-US" sz="750" dirty="0"/>
+          </a:p>
+        </p:txBody>
+      </p:sp>
+      <p:pic>
+        <p:nvPicPr>
+          <p:cNvPr id="64" name="Graphic 63">
+            <a:extLst>
+              <a:ext uri="{FF2B5EF4-FFF2-40B4-BE49-F238E27FC236}">
+                <a16:creationId xmlns:a16="http://schemas.microsoft.com/office/drawing/2014/main" id="{37CEABEF-F0FE-0349-828A-6A9244EF302E}"/>
+              </a:ext>
+            </a:extLst>
+          </p:cNvPr>
+          <p:cNvPicPr>
+            <a:picLocks noChangeAspect="1"/>
+          </p:cNvPicPr>
+          <p:nvPr/>
+        </p:nvPicPr>
+        <p:blipFill>
+          <a:blip r:embed="rId15">
+            <a:extLst>
+              <a:ext uri="{96DAC541-7B7A-43D3-8B79-37D633B846F1}">
+                <asvg:svgBlip xmlns:asvg="http://schemas.microsoft.com/office/drawing/2016/SVG/main" r:embed="rId16"/>
+              </a:ext>
+            </a:extLst>
+          </a:blip>
+          <a:stretch>
+            <a:fillRect/>
+          </a:stretch>
+        </p:blipFill>
+        <p:spPr>
+          <a:xfrm>
+            <a:off x="5907152" y="1359649"/>
+            <a:ext cx="304800" cy="304800"/>
+          </a:xfrm>
+          <a:prstGeom prst="rect">
+            <a:avLst/>
+          </a:prstGeom>
+        </p:spPr>
+      </p:pic>
     </p:spTree>
     <p:extLst>
       <p:ext uri="{BB962C8B-B14F-4D97-AF65-F5344CB8AC3E}">
         <p14:creationId xmlns:p14="http://schemas.microsoft.com/office/powerpoint/2010/main" val="2832486438"/>
+      </p:ext>
+    </p:extLst>
+  </p:cSld>
+  <p:clrMapOvr>
+    <a:masterClrMapping/>
+  </p:clrMapOvr>
+</p:sld>
+</file>
+
+<file path=ppt/slides/slide2.xml><?xml version="1.0" encoding="utf-8"?>
+<p:sld xmlns:a="http://schemas.openxmlformats.org/drawingml/2006/main" xmlns:r="http://schemas.openxmlformats.org/officeDocument/2006/relationships" xmlns:p="http://schemas.openxmlformats.org/presentationml/2006/main">
+  <p:cSld>
+    <p:spTree>
+      <p:nvGrpSpPr>
+        <p:cNvPr id="1" name=""/>
+        <p:cNvGrpSpPr/>
+        <p:nvPr/>
+      </p:nvGrpSpPr>
+      <p:grpSpPr>
+        <a:xfrm>
+          <a:off x="0" y="0"/>
+          <a:ext cx="0" cy="0"/>
+          <a:chOff x="0" y="0"/>
+          <a:chExt cx="0" cy="0"/>
+        </a:xfrm>
+      </p:grpSpPr>
+      <p:sp>
+        <p:nvSpPr>
+          <p:cNvPr id="2" name="TextBox 1">
+            <a:extLst>
+              <a:ext uri="{FF2B5EF4-FFF2-40B4-BE49-F238E27FC236}">
+                <a16:creationId xmlns:a16="http://schemas.microsoft.com/office/drawing/2014/main" id="{EA1CB875-BFCC-F14E-A445-FC460CD918BF}"/>
+              </a:ext>
+            </a:extLst>
+          </p:cNvPr>
+          <p:cNvSpPr txBox="1"/>
+          <p:nvPr/>
+        </p:nvSpPr>
+        <p:spPr>
+          <a:xfrm>
+            <a:off x="1044174" y="3221149"/>
+            <a:ext cx="965878" cy="215444"/>
+          </a:xfrm>
+          <a:prstGeom prst="rect">
+            <a:avLst/>
+          </a:prstGeom>
+          <a:noFill/>
+        </p:spPr>
+        <p:txBody>
+          <a:bodyPr wrap="square" rtlCol="0">
+            <a:spAutoFit/>
+          </a:bodyPr>
+          <a:lstStyle/>
+          <a:p>
+            <a:pPr algn="ctr"/>
+            <a:r>
+              <a:rPr lang="en-US" sz="800" dirty="0"/>
+              <a:t>AWS </a:t>
+            </a:r>
+            <a:r>
+              <a:rPr lang="en-US" sz="800" dirty="0" err="1"/>
+              <a:t>CodePipeline</a:t>
+            </a:r>
+            <a:endParaRPr lang="en-US" sz="800" dirty="0"/>
+          </a:p>
+        </p:txBody>
+      </p:sp>
+      <p:pic>
+        <p:nvPicPr>
+          <p:cNvPr id="3" name="Graphic 2">
+            <a:extLst>
+              <a:ext uri="{FF2B5EF4-FFF2-40B4-BE49-F238E27FC236}">
+                <a16:creationId xmlns:a16="http://schemas.microsoft.com/office/drawing/2014/main" id="{558C8EE8-DE2B-5649-A427-D884EF3B433D}"/>
+              </a:ext>
+            </a:extLst>
+          </p:cNvPr>
+          <p:cNvPicPr>
+            <a:picLocks noChangeAspect="1"/>
+          </p:cNvPicPr>
+          <p:nvPr/>
+        </p:nvPicPr>
+        <p:blipFill>
+          <a:blip r:embed="rId2">
+            <a:extLst>
+              <a:ext uri="{96DAC541-7B7A-43D3-8B79-37D633B846F1}">
+                <asvg:svgBlip xmlns:asvg="http://schemas.microsoft.com/office/drawing/2016/SVG/main" r:embed="rId3"/>
+              </a:ext>
+            </a:extLst>
+          </a:blip>
+          <a:stretch>
+            <a:fillRect/>
+          </a:stretch>
+        </p:blipFill>
+        <p:spPr>
+          <a:xfrm>
+            <a:off x="1344233" y="2853014"/>
+            <a:ext cx="365760" cy="365760"/>
+          </a:xfrm>
+          <a:prstGeom prst="rect">
+            <a:avLst/>
+          </a:prstGeom>
+        </p:spPr>
+      </p:pic>
+      <p:sp>
+        <p:nvSpPr>
+          <p:cNvPr id="4" name="TextBox 3">
+            <a:extLst>
+              <a:ext uri="{FF2B5EF4-FFF2-40B4-BE49-F238E27FC236}">
+                <a16:creationId xmlns:a16="http://schemas.microsoft.com/office/drawing/2014/main" id="{E1C67E47-ACA5-8748-9231-D1D0C415174A}"/>
+              </a:ext>
+            </a:extLst>
+          </p:cNvPr>
+          <p:cNvSpPr txBox="1"/>
+          <p:nvPr/>
+        </p:nvSpPr>
+        <p:spPr>
+          <a:xfrm>
+            <a:off x="3965349" y="3184327"/>
+            <a:ext cx="1014167" cy="323165"/>
+          </a:xfrm>
+          <a:prstGeom prst="rect">
+            <a:avLst/>
+          </a:prstGeom>
+          <a:noFill/>
+        </p:spPr>
+        <p:txBody>
+          <a:bodyPr wrap="square" rtlCol="0">
+            <a:spAutoFit/>
+          </a:bodyPr>
+          <a:lstStyle/>
+          <a:p>
+            <a:pPr algn="ctr" defTabSz="761970"/>
+            <a:r>
+              <a:rPr lang="en-US" sz="750" dirty="0">
+                <a:solidFill>
+                  <a:srgbClr val="FAFAFA"/>
+                </a:solidFill>
+              </a:rPr>
+              <a:t>Machine Learning Containers</a:t>
+            </a:r>
+          </a:p>
+        </p:txBody>
+      </p:sp>
+      <p:pic>
+        <p:nvPicPr>
+          <p:cNvPr id="5" name="Graphic 4">
+            <a:extLst>
+              <a:ext uri="{FF2B5EF4-FFF2-40B4-BE49-F238E27FC236}">
+                <a16:creationId xmlns:a16="http://schemas.microsoft.com/office/drawing/2014/main" id="{E2053825-58E9-5745-93FE-9ECA6C3E9051}"/>
+              </a:ext>
+            </a:extLst>
+          </p:cNvPr>
+          <p:cNvPicPr>
+            <a:picLocks noChangeAspect="1"/>
+          </p:cNvPicPr>
+          <p:nvPr/>
+        </p:nvPicPr>
+        <p:blipFill>
+          <a:blip r:embed="rId4">
+            <a:extLst>
+              <a:ext uri="{96DAC541-7B7A-43D3-8B79-37D633B846F1}">
+                <asvg:svgBlip xmlns:asvg="http://schemas.microsoft.com/office/drawing/2016/SVG/main" r:embed="rId5"/>
+              </a:ext>
+            </a:extLst>
+          </a:blip>
+          <a:stretch>
+            <a:fillRect/>
+          </a:stretch>
+        </p:blipFill>
+        <p:spPr>
+          <a:xfrm>
+            <a:off x="4316676" y="2827997"/>
+            <a:ext cx="365760" cy="365760"/>
+          </a:xfrm>
+          <a:prstGeom prst="rect">
+            <a:avLst/>
+          </a:prstGeom>
+        </p:spPr>
+      </p:pic>
+      <p:sp>
+        <p:nvSpPr>
+          <p:cNvPr id="6" name="TextBox 5">
+            <a:extLst>
+              <a:ext uri="{FF2B5EF4-FFF2-40B4-BE49-F238E27FC236}">
+                <a16:creationId xmlns:a16="http://schemas.microsoft.com/office/drawing/2014/main" id="{A7A0D3B0-573C-454C-B9F3-8BDE43D838FA}"/>
+              </a:ext>
+            </a:extLst>
+          </p:cNvPr>
+          <p:cNvSpPr txBox="1"/>
+          <p:nvPr/>
+        </p:nvSpPr>
+        <p:spPr>
+          <a:xfrm>
+            <a:off x="2950193" y="1882626"/>
+            <a:ext cx="785827" cy="323165"/>
+          </a:xfrm>
+          <a:prstGeom prst="rect">
+            <a:avLst/>
+          </a:prstGeom>
+          <a:noFill/>
+        </p:spPr>
+        <p:txBody>
+          <a:bodyPr wrap="square" rtlCol="0">
+            <a:spAutoFit/>
+          </a:bodyPr>
+          <a:lstStyle/>
+          <a:p>
+            <a:pPr algn="ctr"/>
+            <a:r>
+              <a:rPr lang="en-US" sz="750" dirty="0"/>
+              <a:t>AWS </a:t>
+            </a:r>
+            <a:r>
+              <a:rPr lang="en-US" sz="750" dirty="0" err="1"/>
+              <a:t>CodeCommit</a:t>
+            </a:r>
+            <a:endParaRPr lang="en-US" sz="750" dirty="0"/>
+          </a:p>
+        </p:txBody>
+      </p:sp>
+      <p:pic>
+        <p:nvPicPr>
+          <p:cNvPr id="7" name="Graphic 6">
+            <a:extLst>
+              <a:ext uri="{FF2B5EF4-FFF2-40B4-BE49-F238E27FC236}">
+                <a16:creationId xmlns:a16="http://schemas.microsoft.com/office/drawing/2014/main" id="{B573C23A-0918-5E4B-BCF3-70446E879D95}"/>
+              </a:ext>
+            </a:extLst>
+          </p:cNvPr>
+          <p:cNvPicPr>
+            <a:picLocks noChangeAspect="1"/>
+          </p:cNvPicPr>
+          <p:nvPr/>
+        </p:nvPicPr>
+        <p:blipFill>
+          <a:blip r:embed="rId6">
+            <a:extLst>
+              <a:ext uri="{96DAC541-7B7A-43D3-8B79-37D633B846F1}">
+                <asvg:svgBlip xmlns:asvg="http://schemas.microsoft.com/office/drawing/2016/SVG/main" r:embed="rId7"/>
+              </a:ext>
+            </a:extLst>
+          </a:blip>
+          <a:stretch>
+            <a:fillRect/>
+          </a:stretch>
+        </p:blipFill>
+        <p:spPr>
+          <a:xfrm>
+            <a:off x="3174315" y="1532852"/>
+            <a:ext cx="365760" cy="365760"/>
+          </a:xfrm>
+          <a:prstGeom prst="rect">
+            <a:avLst/>
+          </a:prstGeom>
+        </p:spPr>
+      </p:pic>
+      <p:sp>
+        <p:nvSpPr>
+          <p:cNvPr id="8" name="TextBox 7">
+            <a:extLst>
+              <a:ext uri="{FF2B5EF4-FFF2-40B4-BE49-F238E27FC236}">
+                <a16:creationId xmlns:a16="http://schemas.microsoft.com/office/drawing/2014/main" id="{8FF2FB0A-6476-F546-BB52-5290BBF73664}"/>
+              </a:ext>
+            </a:extLst>
+          </p:cNvPr>
+          <p:cNvSpPr txBox="1"/>
+          <p:nvPr/>
+        </p:nvSpPr>
+        <p:spPr>
+          <a:xfrm>
+            <a:off x="2830861" y="3158167"/>
+            <a:ext cx="1014167" cy="323165"/>
+          </a:xfrm>
+          <a:prstGeom prst="rect">
+            <a:avLst/>
+          </a:prstGeom>
+          <a:noFill/>
+        </p:spPr>
+        <p:txBody>
+          <a:bodyPr wrap="square" rtlCol="0">
+            <a:spAutoFit/>
+          </a:bodyPr>
+          <a:lstStyle/>
+          <a:p>
+            <a:pPr algn="ctr"/>
+            <a:r>
+              <a:rPr lang="en-US" sz="750" dirty="0"/>
+              <a:t>AWS </a:t>
+            </a:r>
+            <a:r>
+              <a:rPr lang="en-US" sz="750" dirty="0" err="1"/>
+              <a:t>CodeBuild</a:t>
+            </a:r>
+            <a:endParaRPr lang="en-US" sz="750" dirty="0"/>
+          </a:p>
+          <a:p>
+            <a:pPr algn="ctr"/>
+            <a:r>
+              <a:rPr lang="en-US" sz="750" dirty="0"/>
+              <a:t>create ML container</a:t>
+            </a:r>
+          </a:p>
+        </p:txBody>
+      </p:sp>
+      <p:pic>
+        <p:nvPicPr>
+          <p:cNvPr id="9" name="Graphic 8">
+            <a:extLst>
+              <a:ext uri="{FF2B5EF4-FFF2-40B4-BE49-F238E27FC236}">
+                <a16:creationId xmlns:a16="http://schemas.microsoft.com/office/drawing/2014/main" id="{ADD41B36-DBF8-3C43-9A2B-162D6109CAA3}"/>
+              </a:ext>
+            </a:extLst>
+          </p:cNvPr>
+          <p:cNvPicPr>
+            <a:picLocks noChangeAspect="1"/>
+          </p:cNvPicPr>
+          <p:nvPr/>
+        </p:nvPicPr>
+        <p:blipFill>
+          <a:blip r:embed="rId8">
+            <a:extLst>
+              <a:ext uri="{96DAC541-7B7A-43D3-8B79-37D633B846F1}">
+                <asvg:svgBlip xmlns:asvg="http://schemas.microsoft.com/office/drawing/2016/SVG/main" r:embed="rId9"/>
+              </a:ext>
+            </a:extLst>
+          </a:blip>
+          <a:stretch>
+            <a:fillRect/>
+          </a:stretch>
+        </p:blipFill>
+        <p:spPr>
+          <a:xfrm>
+            <a:off x="3163864" y="2809079"/>
+            <a:ext cx="365760" cy="365760"/>
+          </a:xfrm>
+          <a:prstGeom prst="rect">
+            <a:avLst/>
+          </a:prstGeom>
+        </p:spPr>
+      </p:pic>
+      <p:sp>
+        <p:nvSpPr>
+          <p:cNvPr id="10" name="TextBox 9">
+            <a:extLst>
+              <a:ext uri="{FF2B5EF4-FFF2-40B4-BE49-F238E27FC236}">
+                <a16:creationId xmlns:a16="http://schemas.microsoft.com/office/drawing/2014/main" id="{15AEB208-4477-1E4C-ABEB-899FED5D66E3}"/>
+              </a:ext>
+            </a:extLst>
+          </p:cNvPr>
+          <p:cNvSpPr txBox="1"/>
+          <p:nvPr/>
+        </p:nvSpPr>
+        <p:spPr>
+          <a:xfrm>
+            <a:off x="4894377" y="3125681"/>
+            <a:ext cx="1070568" cy="323165"/>
+          </a:xfrm>
+          <a:prstGeom prst="rect">
+            <a:avLst/>
+          </a:prstGeom>
+          <a:noFill/>
+        </p:spPr>
+        <p:txBody>
+          <a:bodyPr wrap="square" rtlCol="0">
+            <a:spAutoFit/>
+          </a:bodyPr>
+          <a:lstStyle/>
+          <a:p>
+            <a:pPr algn="ctr"/>
+            <a:r>
+              <a:rPr lang="en-US" sz="750" dirty="0"/>
+              <a:t>Amazon Elastic Container Registry</a:t>
+            </a:r>
+          </a:p>
+        </p:txBody>
+      </p:sp>
+      <p:pic>
+        <p:nvPicPr>
+          <p:cNvPr id="11" name="Graphic 10">
+            <a:extLst>
+              <a:ext uri="{FF2B5EF4-FFF2-40B4-BE49-F238E27FC236}">
+                <a16:creationId xmlns:a16="http://schemas.microsoft.com/office/drawing/2014/main" id="{05515C53-8C0E-0E41-B61A-57922FC237BE}"/>
+              </a:ext>
+            </a:extLst>
+          </p:cNvPr>
+          <p:cNvPicPr>
+            <a:picLocks noChangeAspect="1"/>
+          </p:cNvPicPr>
+          <p:nvPr/>
+        </p:nvPicPr>
+        <p:blipFill>
+          <a:blip r:embed="rId10">
+            <a:extLst>
+              <a:ext uri="{96DAC541-7B7A-43D3-8B79-37D633B846F1}">
+                <asvg:svgBlip xmlns:asvg="http://schemas.microsoft.com/office/drawing/2016/SVG/main" r:embed="rId11"/>
+              </a:ext>
+            </a:extLst>
+          </a:blip>
+          <a:stretch>
+            <a:fillRect/>
+          </a:stretch>
+        </p:blipFill>
+        <p:spPr>
+          <a:xfrm>
+            <a:off x="5277261" y="2808933"/>
+            <a:ext cx="365760" cy="365760"/>
+          </a:xfrm>
+          <a:prstGeom prst="rect">
+            <a:avLst/>
+          </a:prstGeom>
+        </p:spPr>
+      </p:pic>
+      <p:sp>
+        <p:nvSpPr>
+          <p:cNvPr id="12" name="TextBox 11">
+            <a:extLst>
+              <a:ext uri="{FF2B5EF4-FFF2-40B4-BE49-F238E27FC236}">
+                <a16:creationId xmlns:a16="http://schemas.microsoft.com/office/drawing/2014/main" id="{480C9CA5-136E-6643-9B64-DE870B779EA0}"/>
+              </a:ext>
+            </a:extLst>
+          </p:cNvPr>
+          <p:cNvSpPr txBox="1"/>
+          <p:nvPr/>
+        </p:nvSpPr>
+        <p:spPr>
+          <a:xfrm>
+            <a:off x="4071953" y="4426651"/>
+            <a:ext cx="901157" cy="323165"/>
+          </a:xfrm>
+          <a:prstGeom prst="rect">
+            <a:avLst/>
+          </a:prstGeom>
+          <a:noFill/>
+        </p:spPr>
+        <p:txBody>
+          <a:bodyPr wrap="square" rtlCol="0">
+            <a:spAutoFit/>
+          </a:bodyPr>
+          <a:lstStyle/>
+          <a:p>
+            <a:pPr algn="ctr"/>
+            <a:r>
+              <a:rPr lang="en-US" sz="750" dirty="0"/>
+              <a:t>Amazon </a:t>
+            </a:r>
+            <a:r>
+              <a:rPr lang="en-US" sz="750" dirty="0" err="1"/>
+              <a:t>SageMaker</a:t>
+            </a:r>
+            <a:endParaRPr lang="en-US" sz="750" dirty="0"/>
+          </a:p>
+        </p:txBody>
+      </p:sp>
+      <p:pic>
+        <p:nvPicPr>
+          <p:cNvPr id="13" name="Graphic 12">
+            <a:extLst>
+              <a:ext uri="{FF2B5EF4-FFF2-40B4-BE49-F238E27FC236}">
+                <a16:creationId xmlns:a16="http://schemas.microsoft.com/office/drawing/2014/main" id="{F70AD210-F71C-5D4D-B2D1-162D48853038}"/>
+              </a:ext>
+            </a:extLst>
+          </p:cNvPr>
+          <p:cNvPicPr>
+            <a:picLocks noChangeAspect="1"/>
+          </p:cNvPicPr>
+          <p:nvPr/>
+        </p:nvPicPr>
+        <p:blipFill>
+          <a:blip r:embed="rId12">
+            <a:extLst>
+              <a:ext uri="{96DAC541-7B7A-43D3-8B79-37D633B846F1}">
+                <asvg:svgBlip xmlns:asvg="http://schemas.microsoft.com/office/drawing/2016/SVG/main" r:embed="rId13"/>
+              </a:ext>
+            </a:extLst>
+          </a:blip>
+          <a:stretch>
+            <a:fillRect/>
+          </a:stretch>
+        </p:blipFill>
+        <p:spPr>
+          <a:xfrm>
+            <a:off x="4339651" y="4063894"/>
+            <a:ext cx="365760" cy="365760"/>
+          </a:xfrm>
+          <a:prstGeom prst="rect">
+            <a:avLst/>
+          </a:prstGeom>
+        </p:spPr>
+      </p:pic>
+      <p:pic>
+        <p:nvPicPr>
+          <p:cNvPr id="14" name="Graphic 13">
+            <a:extLst>
+              <a:ext uri="{FF2B5EF4-FFF2-40B4-BE49-F238E27FC236}">
+                <a16:creationId xmlns:a16="http://schemas.microsoft.com/office/drawing/2014/main" id="{B6C84941-598B-C94C-95FB-72129AA3EE14}"/>
+              </a:ext>
+            </a:extLst>
+          </p:cNvPr>
+          <p:cNvPicPr>
+            <a:picLocks noChangeAspect="1"/>
+          </p:cNvPicPr>
+          <p:nvPr/>
+        </p:nvPicPr>
+        <p:blipFill>
+          <a:blip r:embed="rId14">
+            <a:extLst>
+              <a:ext uri="{96DAC541-7B7A-43D3-8B79-37D633B846F1}">
+                <asvg:svgBlip xmlns:asvg="http://schemas.microsoft.com/office/drawing/2016/SVG/main" r:embed="rId15"/>
+              </a:ext>
+            </a:extLst>
+          </a:blip>
+          <a:stretch>
+            <a:fillRect/>
+          </a:stretch>
+        </p:blipFill>
+        <p:spPr>
+          <a:xfrm>
+            <a:off x="5309153" y="4058076"/>
+            <a:ext cx="365760" cy="365760"/>
+          </a:xfrm>
+          <a:prstGeom prst="rect">
+            <a:avLst/>
+          </a:prstGeom>
+        </p:spPr>
+      </p:pic>
+      <p:sp>
+        <p:nvSpPr>
+          <p:cNvPr id="15" name="TextBox 14">
+            <a:extLst>
+              <a:ext uri="{FF2B5EF4-FFF2-40B4-BE49-F238E27FC236}">
+                <a16:creationId xmlns:a16="http://schemas.microsoft.com/office/drawing/2014/main" id="{00CE63B9-66CC-4848-BEF7-C12B8FC9E67D}"/>
+              </a:ext>
+            </a:extLst>
+          </p:cNvPr>
+          <p:cNvSpPr txBox="1"/>
+          <p:nvPr/>
+        </p:nvSpPr>
+        <p:spPr>
+          <a:xfrm>
+            <a:off x="5179657" y="4422001"/>
+            <a:ext cx="624167" cy="323165"/>
+          </a:xfrm>
+          <a:prstGeom prst="rect">
+            <a:avLst/>
+          </a:prstGeom>
+          <a:noFill/>
+        </p:spPr>
+        <p:txBody>
+          <a:bodyPr wrap="square" rtlCol="0">
+            <a:spAutoFit/>
+          </a:bodyPr>
+          <a:lstStyle/>
+          <a:p>
+            <a:pPr algn="ctr"/>
+            <a:r>
+              <a:rPr lang="en-US" sz="750" dirty="0"/>
+              <a:t>Train new</a:t>
+            </a:r>
+          </a:p>
+          <a:p>
+            <a:pPr algn="ctr"/>
+            <a:r>
+              <a:rPr lang="en-US" sz="750" dirty="0"/>
+              <a:t>Models</a:t>
+            </a:r>
+          </a:p>
+        </p:txBody>
+      </p:sp>
+      <p:sp>
+        <p:nvSpPr>
+          <p:cNvPr id="16" name="TextBox 15">
+            <a:extLst>
+              <a:ext uri="{FF2B5EF4-FFF2-40B4-BE49-F238E27FC236}">
+                <a16:creationId xmlns:a16="http://schemas.microsoft.com/office/drawing/2014/main" id="{4D40DD9D-FB3A-C848-B281-23F593B49222}"/>
+              </a:ext>
+            </a:extLst>
+          </p:cNvPr>
+          <p:cNvSpPr txBox="1"/>
+          <p:nvPr/>
+        </p:nvSpPr>
+        <p:spPr>
+          <a:xfrm>
+            <a:off x="2764326" y="4383999"/>
+            <a:ext cx="1090903" cy="323165"/>
+          </a:xfrm>
+          <a:prstGeom prst="rect">
+            <a:avLst/>
+          </a:prstGeom>
+          <a:noFill/>
+        </p:spPr>
+        <p:txBody>
+          <a:bodyPr wrap="square" rtlCol="0">
+            <a:spAutoFit/>
+          </a:bodyPr>
+          <a:lstStyle/>
+          <a:p>
+            <a:pPr algn="ctr"/>
+            <a:r>
+              <a:rPr lang="en-US" sz="750" dirty="0"/>
+              <a:t>AWS </a:t>
+            </a:r>
+            <a:r>
+              <a:rPr lang="en-US" sz="750" dirty="0" err="1"/>
+              <a:t>CodeBuild</a:t>
+            </a:r>
+            <a:endParaRPr lang="en-US" sz="750" dirty="0"/>
+          </a:p>
+          <a:p>
+            <a:pPr algn="ctr"/>
+            <a:r>
+              <a:rPr lang="en-US" sz="750" dirty="0" err="1"/>
+              <a:t>Trigger_QA_Training</a:t>
+            </a:r>
+            <a:endParaRPr lang="en-US" sz="750" dirty="0"/>
+          </a:p>
+        </p:txBody>
+      </p:sp>
+      <p:pic>
+        <p:nvPicPr>
+          <p:cNvPr id="17" name="Graphic 16">
+            <a:extLst>
+              <a:ext uri="{FF2B5EF4-FFF2-40B4-BE49-F238E27FC236}">
+                <a16:creationId xmlns:a16="http://schemas.microsoft.com/office/drawing/2014/main" id="{9B4E03DC-258D-A142-8A7A-1CDD2B273CF6}"/>
+              </a:ext>
+            </a:extLst>
+          </p:cNvPr>
+          <p:cNvPicPr>
+            <a:picLocks noChangeAspect="1"/>
+          </p:cNvPicPr>
+          <p:nvPr/>
+        </p:nvPicPr>
+        <p:blipFill>
+          <a:blip r:embed="rId8">
+            <a:extLst>
+              <a:ext uri="{96DAC541-7B7A-43D3-8B79-37D633B846F1}">
+                <asvg:svgBlip xmlns:asvg="http://schemas.microsoft.com/office/drawing/2016/SVG/main" r:embed="rId9"/>
+              </a:ext>
+            </a:extLst>
+          </a:blip>
+          <a:stretch>
+            <a:fillRect/>
+          </a:stretch>
+        </p:blipFill>
+        <p:spPr>
+          <a:xfrm>
+            <a:off x="3157287" y="4040586"/>
+            <a:ext cx="365760" cy="365760"/>
+          </a:xfrm>
+          <a:prstGeom prst="rect">
+            <a:avLst/>
+          </a:prstGeom>
+        </p:spPr>
+      </p:pic>
+      <p:cxnSp>
+        <p:nvCxnSpPr>
+          <p:cNvPr id="18" name="Elbow Connector 17">
+            <a:extLst>
+              <a:ext uri="{FF2B5EF4-FFF2-40B4-BE49-F238E27FC236}">
+                <a16:creationId xmlns:a16="http://schemas.microsoft.com/office/drawing/2014/main" id="{C81ABDF2-307D-4D4B-9272-FE00B38892CE}"/>
+              </a:ext>
+            </a:extLst>
+          </p:cNvPr>
+          <p:cNvCxnSpPr>
+            <a:cxnSpLocks/>
+            <a:stCxn id="8" idx="2"/>
+            <a:endCxn id="17" idx="0"/>
+          </p:cNvCxnSpPr>
+          <p:nvPr/>
+        </p:nvCxnSpPr>
+        <p:spPr>
+          <a:xfrm rot="16200000" flipH="1">
+            <a:off x="3059429" y="3759848"/>
+            <a:ext cx="559254" cy="2222"/>
+          </a:xfrm>
+          <a:prstGeom prst="bentConnector3">
+            <a:avLst>
+              <a:gd name="adj1" fmla="val 50000"/>
+            </a:avLst>
+          </a:prstGeom>
+          <a:ln w="12700">
+            <a:solidFill>
+              <a:srgbClr val="FFC000"/>
+            </a:solidFill>
+            <a:prstDash val="sysDot"/>
+            <a:tailEnd type="triangle"/>
+          </a:ln>
+        </p:spPr>
+        <p:style>
+          <a:lnRef idx="2">
+            <a:schemeClr val="accent1"/>
+          </a:lnRef>
+          <a:fillRef idx="0">
+            <a:schemeClr val="accent1"/>
+          </a:fillRef>
+          <a:effectRef idx="1">
+            <a:schemeClr val="accent1"/>
+          </a:effectRef>
+          <a:fontRef idx="minor">
+            <a:schemeClr val="tx1"/>
+          </a:fontRef>
+        </p:style>
+      </p:cxnSp>
+      <p:sp>
+        <p:nvSpPr>
+          <p:cNvPr id="19" name="TextBox 18">
+            <a:extLst>
+              <a:ext uri="{FF2B5EF4-FFF2-40B4-BE49-F238E27FC236}">
+                <a16:creationId xmlns:a16="http://schemas.microsoft.com/office/drawing/2014/main" id="{8B49019F-963A-6042-9F2A-3C9C8621C1C6}"/>
+              </a:ext>
+            </a:extLst>
+          </p:cNvPr>
+          <p:cNvSpPr txBox="1"/>
+          <p:nvPr/>
+        </p:nvSpPr>
+        <p:spPr>
+          <a:xfrm>
+            <a:off x="3942231" y="4733079"/>
+            <a:ext cx="1214324" cy="400110"/>
+          </a:xfrm>
+          <a:prstGeom prst="rect">
+            <a:avLst/>
+          </a:prstGeom>
+          <a:noFill/>
+        </p:spPr>
+        <p:txBody>
+          <a:bodyPr wrap="square" rtlCol="0">
+            <a:spAutoFit/>
+          </a:bodyPr>
+          <a:lstStyle/>
+          <a:p>
+            <a:pPr algn="ctr"/>
+            <a:r>
+              <a:rPr lang="en-US" sz="1000" dirty="0">
+                <a:solidFill>
+                  <a:schemeClr val="accent2"/>
+                </a:solidFill>
+              </a:rPr>
+              <a:t>Trigger QA </a:t>
+            </a:r>
+          </a:p>
+          <a:p>
+            <a:pPr algn="ctr"/>
+            <a:r>
+              <a:rPr lang="en-US" sz="1000" dirty="0">
+                <a:solidFill>
+                  <a:schemeClr val="accent2"/>
+                </a:solidFill>
+              </a:rPr>
+              <a:t>model training</a:t>
+            </a:r>
+          </a:p>
+        </p:txBody>
+      </p:sp>
+      <p:cxnSp>
+        <p:nvCxnSpPr>
+          <p:cNvPr id="29" name="Elbow Connector 28">
+            <a:extLst>
+              <a:ext uri="{FF2B5EF4-FFF2-40B4-BE49-F238E27FC236}">
+                <a16:creationId xmlns:a16="http://schemas.microsoft.com/office/drawing/2014/main" id="{DC69A5DD-9573-9C4B-9E6C-58CB9FA392B6}"/>
+              </a:ext>
+            </a:extLst>
+          </p:cNvPr>
+          <p:cNvCxnSpPr>
+            <a:cxnSpLocks/>
+            <a:stCxn id="6" idx="2"/>
+            <a:endCxn id="9" idx="0"/>
+          </p:cNvCxnSpPr>
+          <p:nvPr/>
+        </p:nvCxnSpPr>
+        <p:spPr>
+          <a:xfrm rot="16200000" flipH="1">
+            <a:off x="3043281" y="2505616"/>
+            <a:ext cx="603288" cy="3637"/>
+          </a:xfrm>
+          <a:prstGeom prst="bentConnector3">
+            <a:avLst>
+              <a:gd name="adj1" fmla="val 50000"/>
+            </a:avLst>
+          </a:prstGeom>
+          <a:ln w="12700">
+            <a:solidFill>
+              <a:srgbClr val="FFC000"/>
+            </a:solidFill>
+            <a:prstDash val="sysDot"/>
+            <a:tailEnd type="triangle"/>
+          </a:ln>
+        </p:spPr>
+        <p:style>
+          <a:lnRef idx="2">
+            <a:schemeClr val="accent1"/>
+          </a:lnRef>
+          <a:fillRef idx="0">
+            <a:schemeClr val="accent1"/>
+          </a:fillRef>
+          <a:effectRef idx="1">
+            <a:schemeClr val="accent1"/>
+          </a:effectRef>
+          <a:fontRef idx="minor">
+            <a:schemeClr val="tx1"/>
+          </a:fontRef>
+        </p:style>
+      </p:cxnSp>
+      <p:sp>
+        <p:nvSpPr>
+          <p:cNvPr id="34" name="TextBox 33">
+            <a:extLst>
+              <a:ext uri="{FF2B5EF4-FFF2-40B4-BE49-F238E27FC236}">
+                <a16:creationId xmlns:a16="http://schemas.microsoft.com/office/drawing/2014/main" id="{4F835DCB-9ABD-7D40-8D96-15EDC081EE61}"/>
+              </a:ext>
+            </a:extLst>
+          </p:cNvPr>
+          <p:cNvSpPr txBox="1"/>
+          <p:nvPr/>
+        </p:nvSpPr>
+        <p:spPr>
+          <a:xfrm>
+            <a:off x="8460595" y="1866640"/>
+            <a:ext cx="785827" cy="323165"/>
+          </a:xfrm>
+          <a:prstGeom prst="rect">
+            <a:avLst/>
+          </a:prstGeom>
+          <a:noFill/>
+        </p:spPr>
+        <p:txBody>
+          <a:bodyPr wrap="square" rtlCol="0">
+            <a:spAutoFit/>
+          </a:bodyPr>
+          <a:lstStyle/>
+          <a:p>
+            <a:pPr algn="ctr"/>
+            <a:r>
+              <a:rPr lang="en-US" sz="750" dirty="0"/>
+              <a:t>AWS </a:t>
+            </a:r>
+            <a:r>
+              <a:rPr lang="en-US" sz="750" dirty="0" err="1"/>
+              <a:t>CodeCommit</a:t>
+            </a:r>
+            <a:endParaRPr lang="en-US" sz="750" dirty="0"/>
+          </a:p>
+        </p:txBody>
+      </p:sp>
+      <p:pic>
+        <p:nvPicPr>
+          <p:cNvPr id="35" name="Graphic 34">
+            <a:extLst>
+              <a:ext uri="{FF2B5EF4-FFF2-40B4-BE49-F238E27FC236}">
+                <a16:creationId xmlns:a16="http://schemas.microsoft.com/office/drawing/2014/main" id="{8B05C8FE-6FB3-E04D-B021-B50CBFCDE17F}"/>
+              </a:ext>
+            </a:extLst>
+          </p:cNvPr>
+          <p:cNvPicPr>
+            <a:picLocks noChangeAspect="1"/>
+          </p:cNvPicPr>
+          <p:nvPr/>
+        </p:nvPicPr>
+        <p:blipFill>
+          <a:blip r:embed="rId6">
+            <a:extLst>
+              <a:ext uri="{96DAC541-7B7A-43D3-8B79-37D633B846F1}">
+                <asvg:svgBlip xmlns:asvg="http://schemas.microsoft.com/office/drawing/2016/SVG/main" r:embed="rId7"/>
+              </a:ext>
+            </a:extLst>
+          </a:blip>
+          <a:stretch>
+            <a:fillRect/>
+          </a:stretch>
+        </p:blipFill>
+        <p:spPr>
+          <a:xfrm>
+            <a:off x="8672443" y="1516866"/>
+            <a:ext cx="365760" cy="365760"/>
+          </a:xfrm>
+          <a:prstGeom prst="rect">
+            <a:avLst/>
+          </a:prstGeom>
+        </p:spPr>
+      </p:pic>
+      <p:sp>
+        <p:nvSpPr>
+          <p:cNvPr id="36" name="TextBox 35">
+            <a:extLst>
+              <a:ext uri="{FF2B5EF4-FFF2-40B4-BE49-F238E27FC236}">
+                <a16:creationId xmlns:a16="http://schemas.microsoft.com/office/drawing/2014/main" id="{537AB0D8-DD50-5E44-BC19-C632EF4F5BEB}"/>
+              </a:ext>
+            </a:extLst>
+          </p:cNvPr>
+          <p:cNvSpPr txBox="1"/>
+          <p:nvPr/>
+        </p:nvSpPr>
+        <p:spPr>
+          <a:xfrm>
+            <a:off x="8350888" y="2991277"/>
+            <a:ext cx="1014167" cy="323165"/>
+          </a:xfrm>
+          <a:prstGeom prst="rect">
+            <a:avLst/>
+          </a:prstGeom>
+          <a:noFill/>
+        </p:spPr>
+        <p:txBody>
+          <a:bodyPr wrap="square" rtlCol="0">
+            <a:spAutoFit/>
+          </a:bodyPr>
+          <a:lstStyle/>
+          <a:p>
+            <a:pPr algn="ctr"/>
+            <a:r>
+              <a:rPr lang="en-US" sz="750" dirty="0"/>
+              <a:t>AWS </a:t>
+            </a:r>
+            <a:r>
+              <a:rPr lang="en-US" sz="750" dirty="0" err="1"/>
+              <a:t>CodeBuild</a:t>
+            </a:r>
+            <a:endParaRPr lang="en-US" sz="750" dirty="0"/>
+          </a:p>
+          <a:p>
+            <a:pPr algn="ctr"/>
+            <a:r>
+              <a:rPr lang="en-US" sz="750" dirty="0"/>
+              <a:t>Version Set</a:t>
+            </a:r>
+          </a:p>
+        </p:txBody>
+      </p:sp>
+      <p:pic>
+        <p:nvPicPr>
+          <p:cNvPr id="37" name="Graphic 36">
+            <a:extLst>
+              <a:ext uri="{FF2B5EF4-FFF2-40B4-BE49-F238E27FC236}">
+                <a16:creationId xmlns:a16="http://schemas.microsoft.com/office/drawing/2014/main" id="{667FED13-E104-1345-BBD7-A4C06D31B3C6}"/>
+              </a:ext>
+            </a:extLst>
+          </p:cNvPr>
+          <p:cNvPicPr>
+            <a:picLocks noChangeAspect="1"/>
+          </p:cNvPicPr>
+          <p:nvPr/>
+        </p:nvPicPr>
+        <p:blipFill>
+          <a:blip r:embed="rId8">
+            <a:extLst>
+              <a:ext uri="{96DAC541-7B7A-43D3-8B79-37D633B846F1}">
+                <asvg:svgBlip xmlns:asvg="http://schemas.microsoft.com/office/drawing/2016/SVG/main" r:embed="rId9"/>
+              </a:ext>
+            </a:extLst>
+          </a:blip>
+          <a:stretch>
+            <a:fillRect/>
+          </a:stretch>
+        </p:blipFill>
+        <p:spPr>
+          <a:xfrm>
+            <a:off x="8668955" y="2626208"/>
+            <a:ext cx="365760" cy="365760"/>
+          </a:xfrm>
+          <a:prstGeom prst="rect">
+            <a:avLst/>
+          </a:prstGeom>
+        </p:spPr>
+      </p:pic>
+      <p:sp>
+        <p:nvSpPr>
+          <p:cNvPr id="38" name="TextBox 37">
+            <a:extLst>
+              <a:ext uri="{FF2B5EF4-FFF2-40B4-BE49-F238E27FC236}">
+                <a16:creationId xmlns:a16="http://schemas.microsoft.com/office/drawing/2014/main" id="{4613C854-C53E-E240-9F15-1E4250590CF6}"/>
+              </a:ext>
+            </a:extLst>
+          </p:cNvPr>
+          <p:cNvSpPr txBox="1"/>
+          <p:nvPr/>
+        </p:nvSpPr>
+        <p:spPr>
+          <a:xfrm>
+            <a:off x="8286364" y="4048761"/>
+            <a:ext cx="1160479" cy="323165"/>
+          </a:xfrm>
+          <a:prstGeom prst="rect">
+            <a:avLst/>
+          </a:prstGeom>
+          <a:noFill/>
+        </p:spPr>
+        <p:txBody>
+          <a:bodyPr wrap="square" rtlCol="0">
+            <a:spAutoFit/>
+          </a:bodyPr>
+          <a:lstStyle/>
+          <a:p>
+            <a:pPr algn="ctr"/>
+            <a:r>
+              <a:rPr lang="en-US" sz="750" dirty="0"/>
+              <a:t>AWS </a:t>
+            </a:r>
+            <a:r>
+              <a:rPr lang="en-US" sz="750" dirty="0" err="1"/>
+              <a:t>CodeBuild</a:t>
+            </a:r>
+            <a:endParaRPr lang="en-US" sz="750" dirty="0"/>
+          </a:p>
+          <a:p>
+            <a:pPr algn="ctr"/>
+            <a:r>
+              <a:rPr lang="en-US" sz="750" dirty="0" err="1"/>
+              <a:t>Pull_QA_Model</a:t>
+            </a:r>
+            <a:endParaRPr lang="en-US" sz="750" dirty="0"/>
+          </a:p>
+        </p:txBody>
+      </p:sp>
+      <p:pic>
+        <p:nvPicPr>
+          <p:cNvPr id="39" name="Graphic 38">
+            <a:extLst>
+              <a:ext uri="{FF2B5EF4-FFF2-40B4-BE49-F238E27FC236}">
+                <a16:creationId xmlns:a16="http://schemas.microsoft.com/office/drawing/2014/main" id="{59FE5EF7-516C-9240-96C2-BEF6DA335EDE}"/>
+              </a:ext>
+            </a:extLst>
+          </p:cNvPr>
+          <p:cNvPicPr>
+            <a:picLocks noChangeAspect="1"/>
+          </p:cNvPicPr>
+          <p:nvPr/>
+        </p:nvPicPr>
+        <p:blipFill>
+          <a:blip r:embed="rId8">
+            <a:extLst>
+              <a:ext uri="{96DAC541-7B7A-43D3-8B79-37D633B846F1}">
+                <asvg:svgBlip xmlns:asvg="http://schemas.microsoft.com/office/drawing/2016/SVG/main" r:embed="rId9"/>
+              </a:ext>
+            </a:extLst>
+          </a:blip>
+          <a:stretch>
+            <a:fillRect/>
+          </a:stretch>
+        </p:blipFill>
+        <p:spPr>
+          <a:xfrm>
+            <a:off x="8675705" y="3684349"/>
+            <a:ext cx="365760" cy="365760"/>
+          </a:xfrm>
+          <a:prstGeom prst="rect">
+            <a:avLst/>
+          </a:prstGeom>
+        </p:spPr>
+      </p:pic>
+      <p:sp>
+        <p:nvSpPr>
+          <p:cNvPr id="40" name="TextBox 39">
+            <a:extLst>
+              <a:ext uri="{FF2B5EF4-FFF2-40B4-BE49-F238E27FC236}">
+                <a16:creationId xmlns:a16="http://schemas.microsoft.com/office/drawing/2014/main" id="{BD253569-43C2-C842-B7E6-716EF642FEAE}"/>
+              </a:ext>
+            </a:extLst>
+          </p:cNvPr>
+          <p:cNvSpPr txBox="1"/>
+          <p:nvPr/>
+        </p:nvSpPr>
+        <p:spPr>
+          <a:xfrm>
+            <a:off x="8332926" y="5213762"/>
+            <a:ext cx="1070568" cy="323165"/>
+          </a:xfrm>
+          <a:prstGeom prst="rect">
+            <a:avLst/>
+          </a:prstGeom>
+          <a:noFill/>
+        </p:spPr>
+        <p:txBody>
+          <a:bodyPr wrap="square" rtlCol="0">
+            <a:spAutoFit/>
+          </a:bodyPr>
+          <a:lstStyle/>
+          <a:p>
+            <a:pPr algn="ctr"/>
+            <a:r>
+              <a:rPr lang="en-US" sz="750" dirty="0"/>
+              <a:t>AWS </a:t>
+            </a:r>
+            <a:r>
+              <a:rPr lang="en-US" sz="750" dirty="0" err="1"/>
+              <a:t>CodeBuild</a:t>
+            </a:r>
+            <a:endParaRPr lang="en-US" sz="750" dirty="0"/>
+          </a:p>
+          <a:p>
+            <a:pPr algn="ctr"/>
+            <a:r>
+              <a:rPr lang="en-US" sz="750" dirty="0" err="1"/>
+              <a:t>Deploy_PRD_Model</a:t>
+            </a:r>
+            <a:endParaRPr lang="en-US" sz="750" dirty="0"/>
+          </a:p>
+        </p:txBody>
+      </p:sp>
+      <p:pic>
+        <p:nvPicPr>
+          <p:cNvPr id="41" name="Graphic 40">
+            <a:extLst>
+              <a:ext uri="{FF2B5EF4-FFF2-40B4-BE49-F238E27FC236}">
+                <a16:creationId xmlns:a16="http://schemas.microsoft.com/office/drawing/2014/main" id="{90C39EDC-A19E-CC4E-929E-5CAB08DA0BAF}"/>
+              </a:ext>
+            </a:extLst>
+          </p:cNvPr>
+          <p:cNvPicPr>
+            <a:picLocks noChangeAspect="1"/>
+          </p:cNvPicPr>
+          <p:nvPr/>
+        </p:nvPicPr>
+        <p:blipFill>
+          <a:blip r:embed="rId8">
+            <a:extLst>
+              <a:ext uri="{96DAC541-7B7A-43D3-8B79-37D633B846F1}">
+                <asvg:svgBlip xmlns:asvg="http://schemas.microsoft.com/office/drawing/2016/SVG/main" r:embed="rId9"/>
+              </a:ext>
+            </a:extLst>
+          </a:blip>
+          <a:stretch>
+            <a:fillRect/>
+          </a:stretch>
+        </p:blipFill>
+        <p:spPr>
+          <a:xfrm>
+            <a:off x="8685330" y="4817959"/>
+            <a:ext cx="365760" cy="365760"/>
+          </a:xfrm>
+          <a:prstGeom prst="rect">
+            <a:avLst/>
+          </a:prstGeom>
+        </p:spPr>
+      </p:pic>
+      <p:sp>
+        <p:nvSpPr>
+          <p:cNvPr id="42" name="Left Brace 41">
+            <a:extLst>
+              <a:ext uri="{FF2B5EF4-FFF2-40B4-BE49-F238E27FC236}">
+                <a16:creationId xmlns:a16="http://schemas.microsoft.com/office/drawing/2014/main" id="{91C6C452-4802-ED48-B66E-059E104855E9}"/>
+              </a:ext>
+            </a:extLst>
+          </p:cNvPr>
+          <p:cNvSpPr/>
+          <p:nvPr/>
+        </p:nvSpPr>
+        <p:spPr>
+          <a:xfrm>
+            <a:off x="2098307" y="1386038"/>
+            <a:ext cx="304880" cy="3773919"/>
+          </a:xfrm>
+          <a:prstGeom prst="leftBrace">
+            <a:avLst/>
+          </a:prstGeom>
+          <a:ln w="28575">
+            <a:solidFill>
+              <a:schemeClr val="accent2"/>
+            </a:solidFill>
+          </a:ln>
+        </p:spPr>
+        <p:style>
+          <a:lnRef idx="1">
+            <a:schemeClr val="accent1"/>
+          </a:lnRef>
+          <a:fillRef idx="0">
+            <a:schemeClr val="accent1"/>
+          </a:fillRef>
+          <a:effectRef idx="0">
+            <a:schemeClr val="accent1"/>
+          </a:effectRef>
+          <a:fontRef idx="minor">
+            <a:schemeClr val="tx1"/>
+          </a:fontRef>
+        </p:style>
+        <p:txBody>
+          <a:bodyPr rtlCol="0" anchor="ctr"/>
+          <a:lstStyle/>
+          <a:p>
+            <a:pPr algn="ctr"/>
+            <a:endParaRPr lang="en-US"/>
+          </a:p>
+        </p:txBody>
+      </p:sp>
+      <p:sp>
+        <p:nvSpPr>
+          <p:cNvPr id="49" name="TextBox 48">
+            <a:extLst>
+              <a:ext uri="{FF2B5EF4-FFF2-40B4-BE49-F238E27FC236}">
+                <a16:creationId xmlns:a16="http://schemas.microsoft.com/office/drawing/2014/main" id="{2FDAA15D-55F4-7B49-9CF9-12834E800ECF}"/>
+              </a:ext>
+            </a:extLst>
+          </p:cNvPr>
+          <p:cNvSpPr txBox="1"/>
+          <p:nvPr/>
+        </p:nvSpPr>
+        <p:spPr>
+          <a:xfrm>
+            <a:off x="6970353" y="3471466"/>
+            <a:ext cx="965878" cy="215444"/>
+          </a:xfrm>
+          <a:prstGeom prst="rect">
+            <a:avLst/>
+          </a:prstGeom>
+          <a:noFill/>
+        </p:spPr>
+        <p:txBody>
+          <a:bodyPr wrap="square" rtlCol="0">
+            <a:spAutoFit/>
+          </a:bodyPr>
+          <a:lstStyle/>
+          <a:p>
+            <a:pPr algn="ctr"/>
+            <a:r>
+              <a:rPr lang="en-US" sz="800" dirty="0"/>
+              <a:t>AWS </a:t>
+            </a:r>
+            <a:r>
+              <a:rPr lang="en-US" sz="800" dirty="0" err="1"/>
+              <a:t>CodePipeline</a:t>
+            </a:r>
+            <a:endParaRPr lang="en-US" sz="800" dirty="0"/>
+          </a:p>
+        </p:txBody>
+      </p:sp>
+      <p:pic>
+        <p:nvPicPr>
+          <p:cNvPr id="50" name="Graphic 49">
+            <a:extLst>
+              <a:ext uri="{FF2B5EF4-FFF2-40B4-BE49-F238E27FC236}">
+                <a16:creationId xmlns:a16="http://schemas.microsoft.com/office/drawing/2014/main" id="{448021AD-7015-2845-B5A9-11BD89623E0B}"/>
+              </a:ext>
+            </a:extLst>
+          </p:cNvPr>
+          <p:cNvPicPr>
+            <a:picLocks noChangeAspect="1"/>
+          </p:cNvPicPr>
+          <p:nvPr/>
+        </p:nvPicPr>
+        <p:blipFill>
+          <a:blip r:embed="rId2">
+            <a:extLst>
+              <a:ext uri="{96DAC541-7B7A-43D3-8B79-37D633B846F1}">
+                <asvg:svgBlip xmlns:asvg="http://schemas.microsoft.com/office/drawing/2016/SVG/main" r:embed="rId3"/>
+              </a:ext>
+            </a:extLst>
+          </a:blip>
+          <a:stretch>
+            <a:fillRect/>
+          </a:stretch>
+        </p:blipFill>
+        <p:spPr>
+          <a:xfrm>
+            <a:off x="7270412" y="3103331"/>
+            <a:ext cx="365760" cy="365760"/>
+          </a:xfrm>
+          <a:prstGeom prst="rect">
+            <a:avLst/>
+          </a:prstGeom>
+        </p:spPr>
+      </p:pic>
+      <p:sp>
+        <p:nvSpPr>
+          <p:cNvPr id="51" name="Left Brace 50">
+            <a:extLst>
+              <a:ext uri="{FF2B5EF4-FFF2-40B4-BE49-F238E27FC236}">
+                <a16:creationId xmlns:a16="http://schemas.microsoft.com/office/drawing/2014/main" id="{9681CF0D-9C9D-A64C-8324-FA12A77C3CFD}"/>
+              </a:ext>
+            </a:extLst>
+          </p:cNvPr>
+          <p:cNvSpPr/>
+          <p:nvPr/>
+        </p:nvSpPr>
+        <p:spPr>
+          <a:xfrm>
+            <a:off x="7880382" y="1445589"/>
+            <a:ext cx="304880" cy="3773919"/>
+          </a:xfrm>
+          <a:prstGeom prst="leftBrace">
+            <a:avLst/>
+          </a:prstGeom>
+          <a:ln w="28575">
+            <a:solidFill>
+              <a:schemeClr val="accent2"/>
+            </a:solidFill>
+          </a:ln>
+        </p:spPr>
+        <p:style>
+          <a:lnRef idx="1">
+            <a:schemeClr val="accent1"/>
+          </a:lnRef>
+          <a:fillRef idx="0">
+            <a:schemeClr val="accent1"/>
+          </a:fillRef>
+          <a:effectRef idx="0">
+            <a:schemeClr val="accent1"/>
+          </a:effectRef>
+          <a:fontRef idx="minor">
+            <a:schemeClr val="tx1"/>
+          </a:fontRef>
+        </p:style>
+        <p:txBody>
+          <a:bodyPr rtlCol="0" anchor="ctr"/>
+          <a:lstStyle/>
+          <a:p>
+            <a:pPr algn="ctr"/>
+            <a:endParaRPr lang="en-US"/>
+          </a:p>
+        </p:txBody>
+      </p:sp>
+      <p:cxnSp>
+        <p:nvCxnSpPr>
+          <p:cNvPr id="52" name="Elbow Connector 51">
+            <a:extLst>
+              <a:ext uri="{FF2B5EF4-FFF2-40B4-BE49-F238E27FC236}">
+                <a16:creationId xmlns:a16="http://schemas.microsoft.com/office/drawing/2014/main" id="{636134DA-D545-DC4B-9BF3-47F9AE18844D}"/>
+              </a:ext>
+            </a:extLst>
+          </p:cNvPr>
+          <p:cNvCxnSpPr>
+            <a:cxnSpLocks/>
+            <a:stCxn id="34" idx="2"/>
+            <a:endCxn id="37" idx="0"/>
+          </p:cNvCxnSpPr>
+          <p:nvPr/>
+        </p:nvCxnSpPr>
+        <p:spPr>
+          <a:xfrm rot="5400000">
+            <a:off x="8634471" y="2407169"/>
+            <a:ext cx="436403" cy="1674"/>
+          </a:xfrm>
+          <a:prstGeom prst="bentConnector3">
+            <a:avLst>
+              <a:gd name="adj1" fmla="val 50000"/>
+            </a:avLst>
+          </a:prstGeom>
+          <a:ln w="12700">
+            <a:solidFill>
+              <a:srgbClr val="FFC000"/>
+            </a:solidFill>
+            <a:prstDash val="sysDot"/>
+            <a:tailEnd type="triangle"/>
+          </a:ln>
+        </p:spPr>
+        <p:style>
+          <a:lnRef idx="2">
+            <a:schemeClr val="accent1"/>
+          </a:lnRef>
+          <a:fillRef idx="0">
+            <a:schemeClr val="accent1"/>
+          </a:fillRef>
+          <a:effectRef idx="1">
+            <a:schemeClr val="accent1"/>
+          </a:effectRef>
+          <a:fontRef idx="minor">
+            <a:schemeClr val="tx1"/>
+          </a:fontRef>
+        </p:style>
+      </p:cxnSp>
+      <p:cxnSp>
+        <p:nvCxnSpPr>
+          <p:cNvPr id="56" name="Elbow Connector 55">
+            <a:extLst>
+              <a:ext uri="{FF2B5EF4-FFF2-40B4-BE49-F238E27FC236}">
+                <a16:creationId xmlns:a16="http://schemas.microsoft.com/office/drawing/2014/main" id="{CE6EE98B-2BAA-5A49-A5B8-396BE3FCE3C5}"/>
+              </a:ext>
+            </a:extLst>
+          </p:cNvPr>
+          <p:cNvCxnSpPr>
+            <a:cxnSpLocks/>
+            <a:stCxn id="36" idx="2"/>
+            <a:endCxn id="39" idx="0"/>
+          </p:cNvCxnSpPr>
+          <p:nvPr/>
+        </p:nvCxnSpPr>
+        <p:spPr>
+          <a:xfrm rot="16200000" flipH="1">
+            <a:off x="8673325" y="3499088"/>
+            <a:ext cx="369907" cy="613"/>
+          </a:xfrm>
+          <a:prstGeom prst="bentConnector3">
+            <a:avLst>
+              <a:gd name="adj1" fmla="val 50000"/>
+            </a:avLst>
+          </a:prstGeom>
+          <a:ln w="12700">
+            <a:solidFill>
+              <a:srgbClr val="FFC000"/>
+            </a:solidFill>
+            <a:prstDash val="sysDot"/>
+            <a:tailEnd type="triangle"/>
+          </a:ln>
+        </p:spPr>
+        <p:style>
+          <a:lnRef idx="2">
+            <a:schemeClr val="accent1"/>
+          </a:lnRef>
+          <a:fillRef idx="0">
+            <a:schemeClr val="accent1"/>
+          </a:fillRef>
+          <a:effectRef idx="1">
+            <a:schemeClr val="accent1"/>
+          </a:effectRef>
+          <a:fontRef idx="minor">
+            <a:schemeClr val="tx1"/>
+          </a:fontRef>
+        </p:style>
+      </p:cxnSp>
+      <p:cxnSp>
+        <p:nvCxnSpPr>
+          <p:cNvPr id="59" name="Elbow Connector 58">
+            <a:extLst>
+              <a:ext uri="{FF2B5EF4-FFF2-40B4-BE49-F238E27FC236}">
+                <a16:creationId xmlns:a16="http://schemas.microsoft.com/office/drawing/2014/main" id="{B5D5432B-96CF-7F40-8DFB-F8EBEFAB4AA0}"/>
+              </a:ext>
+            </a:extLst>
+          </p:cNvPr>
+          <p:cNvCxnSpPr>
+            <a:cxnSpLocks/>
+            <a:stCxn id="38" idx="2"/>
+            <a:endCxn id="41" idx="0"/>
+          </p:cNvCxnSpPr>
+          <p:nvPr/>
+        </p:nvCxnSpPr>
+        <p:spPr>
+          <a:xfrm rot="16200000" flipH="1">
+            <a:off x="8644391" y="4594139"/>
+            <a:ext cx="446033" cy="1606"/>
+          </a:xfrm>
+          <a:prstGeom prst="bentConnector3">
+            <a:avLst>
+              <a:gd name="adj1" fmla="val 50000"/>
+            </a:avLst>
+          </a:prstGeom>
+          <a:ln w="12700">
+            <a:solidFill>
+              <a:srgbClr val="FFC000"/>
+            </a:solidFill>
+            <a:prstDash val="sysDot"/>
+            <a:tailEnd type="triangle"/>
+          </a:ln>
+        </p:spPr>
+        <p:style>
+          <a:lnRef idx="2">
+            <a:schemeClr val="accent1"/>
+          </a:lnRef>
+          <a:fillRef idx="0">
+            <a:schemeClr val="accent1"/>
+          </a:fillRef>
+          <a:effectRef idx="1">
+            <a:schemeClr val="accent1"/>
+          </a:effectRef>
+          <a:fontRef idx="minor">
+            <a:schemeClr val="tx1"/>
+          </a:fontRef>
+        </p:style>
+      </p:cxnSp>
+      <p:sp>
+        <p:nvSpPr>
+          <p:cNvPr id="62" name="TextBox 61">
+            <a:extLst>
+              <a:ext uri="{FF2B5EF4-FFF2-40B4-BE49-F238E27FC236}">
+                <a16:creationId xmlns:a16="http://schemas.microsoft.com/office/drawing/2014/main" id="{8A66E946-F950-9749-A952-423ACC5F7AA6}"/>
+              </a:ext>
+            </a:extLst>
+          </p:cNvPr>
+          <p:cNvSpPr txBox="1"/>
+          <p:nvPr/>
+        </p:nvSpPr>
+        <p:spPr>
+          <a:xfrm>
+            <a:off x="9330124" y="3785762"/>
+            <a:ext cx="1214324" cy="400110"/>
+          </a:xfrm>
+          <a:prstGeom prst="rect">
+            <a:avLst/>
+          </a:prstGeom>
+          <a:noFill/>
+        </p:spPr>
+        <p:txBody>
+          <a:bodyPr wrap="square" rtlCol="0">
+            <a:spAutoFit/>
+          </a:bodyPr>
+          <a:lstStyle/>
+          <a:p>
+            <a:pPr algn="ctr"/>
+            <a:r>
+              <a:rPr lang="en-US" sz="1000" dirty="0">
+                <a:solidFill>
+                  <a:schemeClr val="accent2"/>
+                </a:solidFill>
+              </a:rPr>
+              <a:t>Pull QA </a:t>
+            </a:r>
+          </a:p>
+          <a:p>
+            <a:pPr algn="ctr"/>
+            <a:r>
+              <a:rPr lang="en-US" sz="1000" dirty="0">
+                <a:solidFill>
+                  <a:schemeClr val="accent2"/>
+                </a:solidFill>
+              </a:rPr>
+              <a:t>model</a:t>
+            </a:r>
+          </a:p>
+        </p:txBody>
+      </p:sp>
+      <p:sp>
+        <p:nvSpPr>
+          <p:cNvPr id="63" name="TextBox 62">
+            <a:extLst>
+              <a:ext uri="{FF2B5EF4-FFF2-40B4-BE49-F238E27FC236}">
+                <a16:creationId xmlns:a16="http://schemas.microsoft.com/office/drawing/2014/main" id="{3822C7B9-E962-4F4C-B850-EDC4E964B74E}"/>
+              </a:ext>
+            </a:extLst>
+          </p:cNvPr>
+          <p:cNvSpPr txBox="1"/>
+          <p:nvPr/>
+        </p:nvSpPr>
+        <p:spPr>
+          <a:xfrm>
+            <a:off x="9330124" y="4879056"/>
+            <a:ext cx="1214324" cy="400110"/>
+          </a:xfrm>
+          <a:prstGeom prst="rect">
+            <a:avLst/>
+          </a:prstGeom>
+          <a:noFill/>
+        </p:spPr>
+        <p:txBody>
+          <a:bodyPr wrap="square" rtlCol="0">
+            <a:spAutoFit/>
+          </a:bodyPr>
+          <a:lstStyle/>
+          <a:p>
+            <a:pPr algn="ctr"/>
+            <a:r>
+              <a:rPr lang="en-US" sz="1000" dirty="0">
+                <a:solidFill>
+                  <a:schemeClr val="accent2"/>
+                </a:solidFill>
+              </a:rPr>
+              <a:t>Deploy PRD</a:t>
+            </a:r>
+          </a:p>
+          <a:p>
+            <a:pPr algn="ctr"/>
+            <a:r>
+              <a:rPr lang="en-US" sz="1000" dirty="0">
+                <a:solidFill>
+                  <a:schemeClr val="accent2"/>
+                </a:solidFill>
+              </a:rPr>
+              <a:t>Model</a:t>
+            </a:r>
+          </a:p>
+        </p:txBody>
+      </p:sp>
+      <p:sp>
+        <p:nvSpPr>
+          <p:cNvPr id="64" name="TextBox 63">
+            <a:extLst>
+              <a:ext uri="{FF2B5EF4-FFF2-40B4-BE49-F238E27FC236}">
+                <a16:creationId xmlns:a16="http://schemas.microsoft.com/office/drawing/2014/main" id="{CAFAEAF2-5B5D-5F41-ABD9-525137A3B7E6}"/>
+              </a:ext>
+            </a:extLst>
+          </p:cNvPr>
+          <p:cNvSpPr txBox="1"/>
+          <p:nvPr/>
+        </p:nvSpPr>
+        <p:spPr>
+          <a:xfrm>
+            <a:off x="8675705" y="4368078"/>
+            <a:ext cx="1214324" cy="338554"/>
+          </a:xfrm>
+          <a:prstGeom prst="rect">
+            <a:avLst/>
+          </a:prstGeom>
+          <a:noFill/>
+        </p:spPr>
+        <p:txBody>
+          <a:bodyPr wrap="square" rtlCol="0">
+            <a:spAutoFit/>
+          </a:bodyPr>
+          <a:lstStyle/>
+          <a:p>
+            <a:pPr algn="ctr"/>
+            <a:r>
+              <a:rPr lang="en-US" sz="1600" dirty="0">
+                <a:solidFill>
+                  <a:srgbClr val="FF0000"/>
+                </a:solidFill>
+              </a:rPr>
+              <a:t>Approve</a:t>
+            </a:r>
+          </a:p>
+        </p:txBody>
+      </p:sp>
+    </p:spTree>
+    <p:extLst>
+      <p:ext uri="{BB962C8B-B14F-4D97-AF65-F5344CB8AC3E}">
+        <p14:creationId xmlns:p14="http://schemas.microsoft.com/office/powerpoint/2010/main" val="2589244222"/>
       </p:ext>
     </p:extLst>
   </p:cSld>
